--- a/架构图.pptx
+++ b/架构图.pptx
@@ -288,7 +288,8 @@
           <a:p>
             <a:fld id="{CA8ED7D5-4121-4BE3-8EF0-3D968F990FFD}" type="datetimeFigureOut">
               <a:rPr lang="zh-CN" altLang="en-US" smtClean="0"/>
-              <a:t>2016/7/19</a:t>
+              <a:pPr/>
+              <a:t>2016/7/20</a:t>
             </a:fld>
             <a:endParaRPr lang="zh-CN" altLang="en-US"/>
           </a:p>
@@ -330,6 +331,7 @@
           <a:p>
             <a:fld id="{5773A185-E1EB-48C3-84CF-B5CCFE837730}" type="slidenum">
               <a:rPr lang="zh-CN" altLang="en-US" smtClean="0"/>
+              <a:pPr/>
               <a:t>‹#›</a:t>
             </a:fld>
             <a:endParaRPr lang="zh-CN" altLang="en-US"/>
@@ -453,7 +455,8 @@
           <a:p>
             <a:fld id="{CA8ED7D5-4121-4BE3-8EF0-3D968F990FFD}" type="datetimeFigureOut">
               <a:rPr lang="zh-CN" altLang="en-US" smtClean="0"/>
-              <a:t>2016/7/19</a:t>
+              <a:pPr/>
+              <a:t>2016/7/20</a:t>
             </a:fld>
             <a:endParaRPr lang="zh-CN" altLang="en-US"/>
           </a:p>
@@ -495,6 +498,7 @@
           <a:p>
             <a:fld id="{5773A185-E1EB-48C3-84CF-B5CCFE837730}" type="slidenum">
               <a:rPr lang="zh-CN" altLang="en-US" smtClean="0"/>
+              <a:pPr/>
               <a:t>‹#›</a:t>
             </a:fld>
             <a:endParaRPr lang="zh-CN" altLang="en-US"/>
@@ -628,7 +632,8 @@
           <a:p>
             <a:fld id="{CA8ED7D5-4121-4BE3-8EF0-3D968F990FFD}" type="datetimeFigureOut">
               <a:rPr lang="zh-CN" altLang="en-US" smtClean="0"/>
-              <a:t>2016/7/19</a:t>
+              <a:pPr/>
+              <a:t>2016/7/20</a:t>
             </a:fld>
             <a:endParaRPr lang="zh-CN" altLang="en-US"/>
           </a:p>
@@ -670,6 +675,7 @@
           <a:p>
             <a:fld id="{5773A185-E1EB-48C3-84CF-B5CCFE837730}" type="slidenum">
               <a:rPr lang="zh-CN" altLang="en-US" smtClean="0"/>
+              <a:pPr/>
               <a:t>‹#›</a:t>
             </a:fld>
             <a:endParaRPr lang="zh-CN" altLang="en-US"/>
@@ -793,7 +799,8 @@
           <a:p>
             <a:fld id="{CA8ED7D5-4121-4BE3-8EF0-3D968F990FFD}" type="datetimeFigureOut">
               <a:rPr lang="zh-CN" altLang="en-US" smtClean="0"/>
-              <a:t>2016/7/19</a:t>
+              <a:pPr/>
+              <a:t>2016/7/20</a:t>
             </a:fld>
             <a:endParaRPr lang="zh-CN" altLang="en-US"/>
           </a:p>
@@ -835,6 +842,7 @@
           <a:p>
             <a:fld id="{5773A185-E1EB-48C3-84CF-B5CCFE837730}" type="slidenum">
               <a:rPr lang="zh-CN" altLang="en-US" smtClean="0"/>
+              <a:pPr/>
               <a:t>‹#›</a:t>
             </a:fld>
             <a:endParaRPr lang="zh-CN" altLang="en-US"/>
@@ -1034,7 +1042,8 @@
           <a:p>
             <a:fld id="{CA8ED7D5-4121-4BE3-8EF0-3D968F990FFD}" type="datetimeFigureOut">
               <a:rPr lang="zh-CN" altLang="en-US" smtClean="0"/>
-              <a:t>2016/7/19</a:t>
+              <a:pPr/>
+              <a:t>2016/7/20</a:t>
             </a:fld>
             <a:endParaRPr lang="zh-CN" altLang="en-US"/>
           </a:p>
@@ -1076,6 +1085,7 @@
           <a:p>
             <a:fld id="{5773A185-E1EB-48C3-84CF-B5CCFE837730}" type="slidenum">
               <a:rPr lang="zh-CN" altLang="en-US" smtClean="0"/>
+              <a:pPr/>
               <a:t>‹#›</a:t>
             </a:fld>
             <a:endParaRPr lang="zh-CN" altLang="en-US"/>
@@ -1317,7 +1327,8 @@
           <a:p>
             <a:fld id="{CA8ED7D5-4121-4BE3-8EF0-3D968F990FFD}" type="datetimeFigureOut">
               <a:rPr lang="zh-CN" altLang="en-US" smtClean="0"/>
-              <a:t>2016/7/19</a:t>
+              <a:pPr/>
+              <a:t>2016/7/20</a:t>
             </a:fld>
             <a:endParaRPr lang="zh-CN" altLang="en-US"/>
           </a:p>
@@ -1359,6 +1370,7 @@
           <a:p>
             <a:fld id="{5773A185-E1EB-48C3-84CF-B5CCFE837730}" type="slidenum">
               <a:rPr lang="zh-CN" altLang="en-US" smtClean="0"/>
+              <a:pPr/>
               <a:t>‹#›</a:t>
             </a:fld>
             <a:endParaRPr lang="zh-CN" altLang="en-US"/>
@@ -1734,7 +1746,8 @@
           <a:p>
             <a:fld id="{CA8ED7D5-4121-4BE3-8EF0-3D968F990FFD}" type="datetimeFigureOut">
               <a:rPr lang="zh-CN" altLang="en-US" smtClean="0"/>
-              <a:t>2016/7/19</a:t>
+              <a:pPr/>
+              <a:t>2016/7/20</a:t>
             </a:fld>
             <a:endParaRPr lang="zh-CN" altLang="en-US"/>
           </a:p>
@@ -1776,6 +1789,7 @@
           <a:p>
             <a:fld id="{5773A185-E1EB-48C3-84CF-B5CCFE837730}" type="slidenum">
               <a:rPr lang="zh-CN" altLang="en-US" smtClean="0"/>
+              <a:pPr/>
               <a:t>‹#›</a:t>
             </a:fld>
             <a:endParaRPr lang="zh-CN" altLang="en-US"/>
@@ -1847,7 +1861,8 @@
           <a:p>
             <a:fld id="{CA8ED7D5-4121-4BE3-8EF0-3D968F990FFD}" type="datetimeFigureOut">
               <a:rPr lang="zh-CN" altLang="en-US" smtClean="0"/>
-              <a:t>2016/7/19</a:t>
+              <a:pPr/>
+              <a:t>2016/7/20</a:t>
             </a:fld>
             <a:endParaRPr lang="zh-CN" altLang="en-US"/>
           </a:p>
@@ -1889,6 +1904,7 @@
           <a:p>
             <a:fld id="{5773A185-E1EB-48C3-84CF-B5CCFE837730}" type="slidenum">
               <a:rPr lang="zh-CN" altLang="en-US" smtClean="0"/>
+              <a:pPr/>
               <a:t>‹#›</a:t>
             </a:fld>
             <a:endParaRPr lang="zh-CN" altLang="en-US"/>
@@ -1937,7 +1953,8 @@
           <a:p>
             <a:fld id="{CA8ED7D5-4121-4BE3-8EF0-3D968F990FFD}" type="datetimeFigureOut">
               <a:rPr lang="zh-CN" altLang="en-US" smtClean="0"/>
-              <a:t>2016/7/19</a:t>
+              <a:pPr/>
+              <a:t>2016/7/20</a:t>
             </a:fld>
             <a:endParaRPr lang="zh-CN" altLang="en-US"/>
           </a:p>
@@ -1979,6 +1996,7 @@
           <a:p>
             <a:fld id="{5773A185-E1EB-48C3-84CF-B5CCFE837730}" type="slidenum">
               <a:rPr lang="zh-CN" altLang="en-US" smtClean="0"/>
+              <a:pPr/>
               <a:t>‹#›</a:t>
             </a:fld>
             <a:endParaRPr lang="zh-CN" altLang="en-US"/>
@@ -2209,7 +2227,8 @@
           <a:p>
             <a:fld id="{CA8ED7D5-4121-4BE3-8EF0-3D968F990FFD}" type="datetimeFigureOut">
               <a:rPr lang="zh-CN" altLang="en-US" smtClean="0"/>
-              <a:t>2016/7/19</a:t>
+              <a:pPr/>
+              <a:t>2016/7/20</a:t>
             </a:fld>
             <a:endParaRPr lang="zh-CN" altLang="en-US"/>
           </a:p>
@@ -2251,6 +2270,7 @@
           <a:p>
             <a:fld id="{5773A185-E1EB-48C3-84CF-B5CCFE837730}" type="slidenum">
               <a:rPr lang="zh-CN" altLang="en-US" smtClean="0"/>
+              <a:pPr/>
               <a:t>‹#›</a:t>
             </a:fld>
             <a:endParaRPr lang="zh-CN" altLang="en-US"/>
@@ -2457,7 +2477,8 @@
           <a:p>
             <a:fld id="{CA8ED7D5-4121-4BE3-8EF0-3D968F990FFD}" type="datetimeFigureOut">
               <a:rPr lang="zh-CN" altLang="en-US" smtClean="0"/>
-              <a:t>2016/7/19</a:t>
+              <a:pPr/>
+              <a:t>2016/7/20</a:t>
             </a:fld>
             <a:endParaRPr lang="zh-CN" altLang="en-US"/>
           </a:p>
@@ -2499,6 +2520,7 @@
           <a:p>
             <a:fld id="{5773A185-E1EB-48C3-84CF-B5CCFE837730}" type="slidenum">
               <a:rPr lang="zh-CN" altLang="en-US" smtClean="0"/>
+              <a:pPr/>
               <a:t>‹#›</a:t>
             </a:fld>
             <a:endParaRPr lang="zh-CN" altLang="en-US"/>
@@ -2665,7 +2687,8 @@
           <a:p>
             <a:fld id="{CA8ED7D5-4121-4BE3-8EF0-3D968F990FFD}" type="datetimeFigureOut">
               <a:rPr lang="zh-CN" altLang="en-US" smtClean="0"/>
-              <a:t>2016/7/19</a:t>
+              <a:pPr/>
+              <a:t>2016/7/20</a:t>
             </a:fld>
             <a:endParaRPr lang="zh-CN" altLang="en-US"/>
           </a:p>
@@ -2743,6 +2766,7 @@
           <a:p>
             <a:fld id="{5773A185-E1EB-48C3-84CF-B5CCFE837730}" type="slidenum">
               <a:rPr lang="zh-CN" altLang="en-US" smtClean="0"/>
+              <a:pPr/>
               <a:t>‹#›</a:t>
             </a:fld>
             <a:endParaRPr lang="zh-CN" altLang="en-US"/>
@@ -3062,7 +3086,7 @@
         </p:blipFill>
         <p:spPr bwMode="auto">
           <a:xfrm rot="5400000">
-            <a:off x="7720127" y="5724648"/>
+            <a:off x="6148491" y="5352970"/>
             <a:ext cx="914183" cy="1352522"/>
           </a:xfrm>
           <a:prstGeom prst="rect">
@@ -3157,295 +3181,280 @@
       </p:sp>
       <p:grpSp>
         <p:nvGrpSpPr>
-          <p:cNvPr id="173" name="组合 172"/>
+          <p:cNvPr id="64" name="组合 63"/>
           <p:cNvGrpSpPr/>
           <p:nvPr/>
         </p:nvGrpSpPr>
         <p:grpSpPr>
           <a:xfrm>
-            <a:off x="1571604" y="285728"/>
-            <a:ext cx="5643602" cy="4801689"/>
-            <a:chOff x="1571604" y="285728"/>
-            <a:chExt cx="5643602" cy="4801689"/>
+            <a:off x="1622458" y="285728"/>
+            <a:ext cx="5592748" cy="4861221"/>
+            <a:chOff x="1622458" y="285728"/>
+            <a:chExt cx="5592748" cy="4861221"/>
           </a:xfrm>
         </p:grpSpPr>
-        <p:grpSp>
-          <p:nvGrpSpPr>
-            <p:cNvPr id="95" name="组合 94"/>
-            <p:cNvGrpSpPr/>
+        <p:pic>
+          <p:nvPicPr>
+            <p:cNvPr id="51" name="Picture 13"/>
+            <p:cNvPicPr>
+              <a:picLocks noChangeAspect="1" noChangeArrowheads="1"/>
+            </p:cNvPicPr>
             <p:nvPr/>
-          </p:nvGrpSpPr>
-          <p:grpSpPr>
+          </p:nvPicPr>
+          <p:blipFill>
+            <a:blip r:embed="rId3"/>
+            <a:srcRect/>
+            <a:stretch>
+              <a:fillRect/>
+            </a:stretch>
+          </p:blipFill>
+          <p:spPr bwMode="auto">
             <a:xfrm rot="19800000">
-              <a:off x="1571604" y="3489598"/>
-              <a:ext cx="2214578" cy="1562100"/>
-              <a:chOff x="2857488" y="3862396"/>
-              <a:chExt cx="2214578" cy="1562100"/>
+              <a:off x="2237420" y="3503888"/>
+              <a:ext cx="566736" cy="566736"/>
             </a:xfrm>
-          </p:grpSpPr>
-          <p:pic>
-            <p:nvPicPr>
-              <p:cNvPr id="51" name="Picture 13"/>
-              <p:cNvPicPr>
-                <a:picLocks noChangeAspect="1" noChangeArrowheads="1"/>
-              </p:cNvPicPr>
-              <p:nvPr/>
-            </p:nvPicPr>
-            <p:blipFill>
-              <a:blip r:embed="rId3"/>
-              <a:srcRect/>
-              <a:stretch>
-                <a:fillRect/>
-              </a:stretch>
-            </p:blipFill>
-            <p:spPr bwMode="auto">
-              <a:xfrm>
-                <a:off x="3786182" y="3862396"/>
-                <a:ext cx="566736" cy="566736"/>
-              </a:xfrm>
-              <a:prstGeom prst="rect">
-                <a:avLst/>
-              </a:prstGeom>
+            <a:prstGeom prst="rect">
+              <a:avLst/>
+            </a:prstGeom>
+            <a:noFill/>
+            <a:ln w="9525">
               <a:noFill/>
-              <a:ln w="9525">
-                <a:noFill/>
-                <a:miter lim="800000"/>
-                <a:headEnd/>
-                <a:tailEnd/>
-              </a:ln>
-              <a:effectLst/>
-            </p:spPr>
-          </p:pic>
-          <p:cxnSp>
-            <p:nvCxnSpPr>
-              <p:cNvPr id="74" name="直接连接符 73"/>
-              <p:cNvCxnSpPr/>
-              <p:nvPr/>
-            </p:nvCxnSpPr>
-            <p:spPr>
-              <a:xfrm>
-                <a:off x="3357554" y="4643446"/>
-                <a:ext cx="1714512" cy="1588"/>
-              </a:xfrm>
-              <a:prstGeom prst="line">
-                <a:avLst/>
-              </a:prstGeom>
-              <a:ln w="38100"/>
-            </p:spPr>
-            <p:style>
-              <a:lnRef idx="1">
-                <a:schemeClr val="accent1"/>
-              </a:lnRef>
-              <a:fillRef idx="0">
-                <a:schemeClr val="accent1"/>
-              </a:fillRef>
-              <a:effectRef idx="0">
-                <a:schemeClr val="accent1"/>
-              </a:effectRef>
-              <a:fontRef idx="minor">
-                <a:schemeClr val="tx1"/>
-              </a:fontRef>
-            </p:style>
-          </p:cxnSp>
-          <p:pic>
-            <p:nvPicPr>
-              <p:cNvPr id="75" name="Picture 13"/>
-              <p:cNvPicPr>
-                <a:picLocks noChangeAspect="1" noChangeArrowheads="1"/>
-              </p:cNvPicPr>
-              <p:nvPr/>
-            </p:nvPicPr>
-            <p:blipFill>
-              <a:blip r:embed="rId3"/>
-              <a:srcRect/>
-              <a:stretch>
-                <a:fillRect/>
-              </a:stretch>
-            </p:blipFill>
-            <p:spPr bwMode="auto">
-              <a:xfrm>
-                <a:off x="3357554" y="4857760"/>
-                <a:ext cx="566736" cy="566736"/>
-              </a:xfrm>
-              <a:prstGeom prst="rect">
-                <a:avLst/>
-              </a:prstGeom>
+              <a:miter lim="800000"/>
+              <a:headEnd/>
+              <a:tailEnd/>
+            </a:ln>
+            <a:effectLst/>
+          </p:spPr>
+        </p:pic>
+        <p:cxnSp>
+          <p:nvCxnSpPr>
+            <p:cNvPr id="74" name="直接连接符 73"/>
+            <p:cNvCxnSpPr/>
+            <p:nvPr/>
+          </p:nvCxnSpPr>
+          <p:spPr>
+            <a:xfrm rot="19800000">
+              <a:off x="2038569" y="4145525"/>
+              <a:ext cx="1714512" cy="1588"/>
+            </a:xfrm>
+            <a:prstGeom prst="line">
+              <a:avLst/>
+            </a:prstGeom>
+            <a:ln w="38100"/>
+          </p:spPr>
+          <p:style>
+            <a:lnRef idx="1">
+              <a:schemeClr val="accent1"/>
+            </a:lnRef>
+            <a:fillRef idx="0">
+              <a:schemeClr val="accent1"/>
+            </a:fillRef>
+            <a:effectRef idx="0">
+              <a:schemeClr val="accent1"/>
+            </a:effectRef>
+            <a:fontRef idx="minor">
+              <a:schemeClr val="tx1"/>
+            </a:fontRef>
+          </p:style>
+        </p:cxnSp>
+        <p:pic>
+          <p:nvPicPr>
+            <p:cNvPr id="75" name="Picture 13"/>
+            <p:cNvPicPr>
+              <a:picLocks noChangeAspect="1" noChangeArrowheads="1"/>
+            </p:cNvPicPr>
+            <p:nvPr/>
+          </p:nvPicPr>
+          <p:blipFill>
+            <a:blip r:embed="rId3"/>
+            <a:srcRect/>
+            <a:stretch>
+              <a:fillRect/>
+            </a:stretch>
+          </p:blipFill>
+          <p:spPr bwMode="auto">
+            <a:xfrm rot="19800000">
+              <a:off x="2363899" y="4580213"/>
+              <a:ext cx="566736" cy="566736"/>
+            </a:xfrm>
+            <a:prstGeom prst="rect">
+              <a:avLst/>
+            </a:prstGeom>
+            <a:noFill/>
+            <a:ln w="9525">
               <a:noFill/>
-              <a:ln w="9525">
-                <a:noFill/>
-                <a:miter lim="800000"/>
-                <a:headEnd/>
-                <a:tailEnd/>
-              </a:ln>
-              <a:effectLst/>
-            </p:spPr>
-          </p:pic>
-          <p:pic>
-            <p:nvPicPr>
-              <p:cNvPr id="76" name="Picture 13"/>
-              <p:cNvPicPr>
-                <a:picLocks noChangeAspect="1" noChangeArrowheads="1"/>
-              </p:cNvPicPr>
-              <p:nvPr/>
-            </p:nvPicPr>
-            <p:blipFill>
-              <a:blip r:embed="rId3"/>
-              <a:srcRect/>
-              <a:stretch>
-                <a:fillRect/>
-              </a:stretch>
-            </p:blipFill>
-            <p:spPr bwMode="auto">
-              <a:xfrm>
-                <a:off x="4219578" y="4857760"/>
-                <a:ext cx="566736" cy="566736"/>
-              </a:xfrm>
-              <a:prstGeom prst="rect">
-                <a:avLst/>
-              </a:prstGeom>
+              <a:miter lim="800000"/>
+              <a:headEnd/>
+              <a:tailEnd/>
+            </a:ln>
+            <a:effectLst/>
+          </p:spPr>
+        </p:pic>
+        <p:pic>
+          <p:nvPicPr>
+            <p:cNvPr id="76" name="Picture 13"/>
+            <p:cNvPicPr>
+              <a:picLocks noChangeAspect="1" noChangeArrowheads="1"/>
+            </p:cNvPicPr>
+            <p:nvPr/>
+          </p:nvPicPr>
+          <p:blipFill>
+            <a:blip r:embed="rId3"/>
+            <a:srcRect/>
+            <a:stretch>
+              <a:fillRect/>
+            </a:stretch>
+          </p:blipFill>
+          <p:spPr bwMode="auto">
+            <a:xfrm rot="19800000">
+              <a:off x="3110434" y="4149201"/>
+              <a:ext cx="566736" cy="566736"/>
+            </a:xfrm>
+            <a:prstGeom prst="rect">
+              <a:avLst/>
+            </a:prstGeom>
+            <a:noFill/>
+            <a:ln w="9525">
               <a:noFill/>
-              <a:ln w="9525">
-                <a:noFill/>
-                <a:miter lim="800000"/>
-                <a:headEnd/>
-                <a:tailEnd/>
-              </a:ln>
-              <a:effectLst/>
-            </p:spPr>
-          </p:pic>
-          <p:cxnSp>
-            <p:nvCxnSpPr>
-              <p:cNvPr id="78" name="直接连接符 77"/>
-              <p:cNvCxnSpPr>
-                <a:stCxn id="51" idx="2"/>
-              </p:cNvCxnSpPr>
-              <p:nvPr/>
-            </p:nvCxnSpPr>
-            <p:spPr>
-              <a:xfrm rot="16200000" flipH="1">
-                <a:off x="3963585" y="4535097"/>
-                <a:ext cx="214314" cy="2384"/>
-              </a:xfrm>
-              <a:prstGeom prst="line">
-                <a:avLst/>
-              </a:prstGeom>
-            </p:spPr>
-            <p:style>
-              <a:lnRef idx="1">
-                <a:schemeClr val="accent1"/>
-              </a:lnRef>
-              <a:fillRef idx="0">
-                <a:schemeClr val="accent1"/>
-              </a:fillRef>
-              <a:effectRef idx="0">
-                <a:schemeClr val="accent1"/>
-              </a:effectRef>
-              <a:fontRef idx="minor">
-                <a:schemeClr val="tx1"/>
-              </a:fontRef>
-            </p:style>
-          </p:cxnSp>
-          <p:cxnSp>
-            <p:nvCxnSpPr>
-              <p:cNvPr id="80" name="直接连接符 79"/>
-              <p:cNvCxnSpPr>
-                <a:stCxn id="76" idx="0"/>
-              </p:cNvCxnSpPr>
-              <p:nvPr/>
-            </p:nvCxnSpPr>
-            <p:spPr>
-              <a:xfrm rot="5400000" flipH="1" flipV="1">
-                <a:off x="4396981" y="4749411"/>
-                <a:ext cx="214314" cy="2384"/>
-              </a:xfrm>
-              <a:prstGeom prst="line">
-                <a:avLst/>
-              </a:prstGeom>
-            </p:spPr>
-            <p:style>
-              <a:lnRef idx="1">
-                <a:schemeClr val="accent1"/>
-              </a:lnRef>
-              <a:fillRef idx="0">
-                <a:schemeClr val="accent1"/>
-              </a:fillRef>
-              <a:effectRef idx="0">
-                <a:schemeClr val="accent1"/>
-              </a:effectRef>
-              <a:fontRef idx="minor">
-                <a:schemeClr val="tx1"/>
-              </a:fontRef>
-            </p:style>
-          </p:cxnSp>
-          <p:cxnSp>
-            <p:nvCxnSpPr>
-              <p:cNvPr id="82" name="直接连接符 81"/>
-              <p:cNvCxnSpPr/>
-              <p:nvPr/>
-            </p:nvCxnSpPr>
-            <p:spPr>
-              <a:xfrm rot="16200000" flipH="1">
-                <a:off x="3534957" y="4751795"/>
-                <a:ext cx="219082" cy="2384"/>
-              </a:xfrm>
-              <a:prstGeom prst="line">
-                <a:avLst/>
-              </a:prstGeom>
-            </p:spPr>
-            <p:style>
-              <a:lnRef idx="1">
-                <a:schemeClr val="accent1"/>
-              </a:lnRef>
-              <a:fillRef idx="0">
-                <a:schemeClr val="accent1"/>
-              </a:fillRef>
-              <a:effectRef idx="0">
-                <a:schemeClr val="accent1"/>
-              </a:effectRef>
-              <a:fontRef idx="minor">
-                <a:schemeClr val="tx1"/>
-              </a:fontRef>
-            </p:style>
-          </p:cxnSp>
-          <p:sp>
-            <p:nvSpPr>
-              <p:cNvPr id="91" name="TextBox 90"/>
-              <p:cNvSpPr txBox="1"/>
-              <p:nvPr/>
-            </p:nvSpPr>
-            <p:spPr>
-              <a:xfrm>
-                <a:off x="2857488" y="4211429"/>
-                <a:ext cx="642942" cy="646331"/>
-              </a:xfrm>
-              <a:prstGeom prst="rect">
-                <a:avLst/>
-              </a:prstGeom>
-              <a:noFill/>
-            </p:spPr>
-            <p:txBody>
-              <a:bodyPr wrap="square" rtlCol="0">
-                <a:spAutoFit/>
-              </a:bodyPr>
-              <a:lstStyle/>
-              <a:p>
-                <a:r>
-                  <a:rPr lang="en-US" altLang="zh-CN" sz="3600" dirty="0" smtClean="0">
-                    <a:solidFill>
-                      <a:srgbClr val="0070C0"/>
-                    </a:solidFill>
-                  </a:rPr>
-                  <a:t>…</a:t>
-                </a:r>
-                <a:endParaRPr lang="zh-CN" altLang="en-US" sz="3600" dirty="0">
+              <a:miter lim="800000"/>
+              <a:headEnd/>
+              <a:tailEnd/>
+            </a:ln>
+            <a:effectLst/>
+          </p:spPr>
+        </p:pic>
+        <p:cxnSp>
+          <p:nvCxnSpPr>
+            <p:cNvPr id="78" name="直接连接符 77"/>
+            <p:cNvCxnSpPr>
+              <a:stCxn id="51" idx="2"/>
+            </p:cNvCxnSpPr>
+            <p:nvPr/>
+          </p:nvCxnSpPr>
+          <p:spPr>
+            <a:xfrm rot="14400000" flipH="1">
+              <a:off x="2609926" y="4123673"/>
+              <a:ext cx="214314" cy="2384"/>
+            </a:xfrm>
+            <a:prstGeom prst="line">
+              <a:avLst/>
+            </a:prstGeom>
+          </p:spPr>
+          <p:style>
+            <a:lnRef idx="1">
+              <a:schemeClr val="accent1"/>
+            </a:lnRef>
+            <a:fillRef idx="0">
+              <a:schemeClr val="accent1"/>
+            </a:fillRef>
+            <a:effectRef idx="0">
+              <a:schemeClr val="accent1"/>
+            </a:effectRef>
+            <a:fontRef idx="minor">
+              <a:schemeClr val="tx1"/>
+            </a:fontRef>
+          </p:style>
+        </p:cxnSp>
+        <p:cxnSp>
+          <p:nvCxnSpPr>
+            <p:cNvPr id="80" name="直接连接符 79"/>
+            <p:cNvCxnSpPr>
+              <a:stCxn id="76" idx="0"/>
+            </p:cNvCxnSpPr>
+            <p:nvPr/>
+          </p:nvCxnSpPr>
+          <p:spPr>
+            <a:xfrm rot="3600000" flipH="1" flipV="1">
+              <a:off x="3092415" y="4092576"/>
+              <a:ext cx="214314" cy="2384"/>
+            </a:xfrm>
+            <a:prstGeom prst="line">
+              <a:avLst/>
+            </a:prstGeom>
+          </p:spPr>
+          <p:style>
+            <a:lnRef idx="1">
+              <a:schemeClr val="accent1"/>
+            </a:lnRef>
+            <a:fillRef idx="0">
+              <a:schemeClr val="accent1"/>
+            </a:fillRef>
+            <a:effectRef idx="0">
+              <a:schemeClr val="accent1"/>
+            </a:effectRef>
+            <a:fontRef idx="minor">
+              <a:schemeClr val="tx1"/>
+            </a:fontRef>
+          </p:style>
+        </p:cxnSp>
+        <p:cxnSp>
+          <p:nvCxnSpPr>
+            <p:cNvPr id="82" name="直接连接符 81"/>
+            <p:cNvCxnSpPr/>
+            <p:nvPr/>
+          </p:nvCxnSpPr>
+          <p:spPr>
+            <a:xfrm rot="14400000" flipH="1">
+              <a:off x="2346753" y="4524461"/>
+              <a:ext cx="219082" cy="2384"/>
+            </a:xfrm>
+            <a:prstGeom prst="line">
+              <a:avLst/>
+            </a:prstGeom>
+          </p:spPr>
+          <p:style>
+            <a:lnRef idx="1">
+              <a:schemeClr val="accent1"/>
+            </a:lnRef>
+            <a:fillRef idx="0">
+              <a:schemeClr val="accent1"/>
+            </a:fillRef>
+            <a:effectRef idx="0">
+              <a:schemeClr val="accent1"/>
+            </a:effectRef>
+            <a:fontRef idx="minor">
+              <a:schemeClr val="tx1"/>
+            </a:fontRef>
+          </p:style>
+        </p:cxnSp>
+        <p:sp>
+          <p:nvSpPr>
+            <p:cNvPr id="91" name="TextBox 90"/>
+            <p:cNvSpPr txBox="1"/>
+            <p:nvPr/>
+          </p:nvSpPr>
+          <p:spPr>
+            <a:xfrm rot="19800000">
+              <a:off x="1622458" y="4246123"/>
+              <a:ext cx="642942" cy="646331"/>
+            </a:xfrm>
+            <a:prstGeom prst="rect">
+              <a:avLst/>
+            </a:prstGeom>
+            <a:noFill/>
+          </p:spPr>
+          <p:txBody>
+            <a:bodyPr wrap="square" rtlCol="0">
+              <a:spAutoFit/>
+            </a:bodyPr>
+            <a:lstStyle/>
+            <a:p>
+              <a:r>
+                <a:rPr lang="en-US" altLang="zh-CN" sz="3600" dirty="0" smtClean="0">
                   <a:solidFill>
                     <a:srgbClr val="0070C0"/>
                   </a:solidFill>
-                </a:endParaRPr>
-              </a:p>
-            </p:txBody>
-          </p:sp>
-        </p:grpSp>
+                </a:rPr>
+                <a:t>…</a:t>
+              </a:r>
+              <a:endParaRPr lang="zh-CN" altLang="en-US" sz="3600" dirty="0">
+                <a:solidFill>
+                  <a:srgbClr val="0070C0"/>
+                </a:solidFill>
+              </a:endParaRPr>
+            </a:p>
+          </p:txBody>
+        </p:sp>
         <p:sp>
           <p:nvSpPr>
             <p:cNvPr id="11" name="圆角矩形 10"/>
@@ -3631,7 +3640,7 @@
           </p:nvSpPr>
           <p:spPr>
             <a:xfrm rot="5400000">
-              <a:off x="2703389" y="2552621"/>
+              <a:off x="2703389" y="2624059"/>
               <a:ext cx="129649" cy="337230"/>
             </a:xfrm>
             <a:prstGeom prst="downArrow">
@@ -3680,7 +3689,7 @@
           </p:blipFill>
           <p:spPr bwMode="auto">
             <a:xfrm>
-              <a:off x="1885219" y="2180613"/>
+              <a:off x="1885219" y="2252051"/>
               <a:ext cx="671511" cy="1176949"/>
             </a:xfrm>
             <a:prstGeom prst="rect">
@@ -3810,283 +3819,268 @@
             </a:p>
           </p:txBody>
         </p:sp>
-        <p:grpSp>
-          <p:nvGrpSpPr>
-            <p:cNvPr id="106" name="组合 105"/>
-            <p:cNvGrpSpPr/>
+        <p:pic>
+          <p:nvPicPr>
+            <p:cNvPr id="97" name="Picture 13"/>
+            <p:cNvPicPr>
+              <a:picLocks noChangeAspect="1" noChangeArrowheads="1"/>
+            </p:cNvPicPr>
             <p:nvPr/>
-          </p:nvGrpSpPr>
-          <p:grpSpPr>
-            <a:xfrm rot="1800000">
-              <a:off x="4618154" y="3525317"/>
-              <a:ext cx="2357454" cy="1562100"/>
-              <a:chOff x="3500430" y="4857760"/>
-              <a:chExt cx="2357454" cy="1562100"/>
+          </p:nvPicPr>
+          <p:blipFill>
+            <a:blip r:embed="rId3"/>
+            <a:srcRect/>
+            <a:stretch>
+              <a:fillRect/>
+            </a:stretch>
+          </p:blipFill>
+          <p:spPr bwMode="auto">
+            <a:xfrm rot="1800000" flipH="1">
+              <a:off x="5605622" y="3501504"/>
+              <a:ext cx="566736" cy="566736"/>
             </a:xfrm>
-          </p:grpSpPr>
-          <p:pic>
-            <p:nvPicPr>
-              <p:cNvPr id="97" name="Picture 13"/>
-              <p:cNvPicPr>
-                <a:picLocks noChangeAspect="1" noChangeArrowheads="1"/>
-              </p:cNvPicPr>
-              <p:nvPr/>
-            </p:nvPicPr>
-            <p:blipFill>
-              <a:blip r:embed="rId3"/>
-              <a:srcRect/>
-              <a:stretch>
-                <a:fillRect/>
-              </a:stretch>
-            </p:blipFill>
-            <p:spPr bwMode="auto">
-              <a:xfrm flipH="1">
-                <a:off x="4214810" y="4857760"/>
-                <a:ext cx="566736" cy="566736"/>
-              </a:xfrm>
-              <a:prstGeom prst="rect">
-                <a:avLst/>
-              </a:prstGeom>
+            <a:prstGeom prst="rect">
+              <a:avLst/>
+            </a:prstGeom>
+            <a:noFill/>
+            <a:ln w="9525">
               <a:noFill/>
-              <a:ln w="9525">
-                <a:noFill/>
-                <a:miter lim="800000"/>
-                <a:headEnd/>
-                <a:tailEnd/>
-              </a:ln>
-              <a:effectLst/>
-            </p:spPr>
-          </p:pic>
-          <p:cxnSp>
-            <p:nvCxnSpPr>
-              <p:cNvPr id="98" name="直接连接符 97"/>
-              <p:cNvCxnSpPr/>
-              <p:nvPr/>
-            </p:nvCxnSpPr>
-            <p:spPr>
-              <a:xfrm flipH="1">
-                <a:off x="3500430" y="5638810"/>
-                <a:ext cx="1714512" cy="1588"/>
-              </a:xfrm>
-              <a:prstGeom prst="line">
-                <a:avLst/>
-              </a:prstGeom>
-              <a:ln w="38100"/>
-            </p:spPr>
-            <p:style>
-              <a:lnRef idx="1">
-                <a:schemeClr val="accent1"/>
-              </a:lnRef>
-              <a:fillRef idx="0">
-                <a:schemeClr val="accent1"/>
-              </a:fillRef>
-              <a:effectRef idx="0">
-                <a:schemeClr val="accent1"/>
-              </a:effectRef>
-              <a:fontRef idx="minor">
-                <a:schemeClr val="tx1"/>
-              </a:fontRef>
-            </p:style>
-          </p:cxnSp>
-          <p:pic>
-            <p:nvPicPr>
-              <p:cNvPr id="99" name="Picture 13"/>
-              <p:cNvPicPr>
-                <a:picLocks noChangeAspect="1" noChangeArrowheads="1"/>
-              </p:cNvPicPr>
-              <p:nvPr/>
-            </p:nvPicPr>
-            <p:blipFill>
-              <a:blip r:embed="rId3"/>
-              <a:srcRect/>
-              <a:stretch>
-                <a:fillRect/>
-              </a:stretch>
-            </p:blipFill>
-            <p:spPr bwMode="auto">
-              <a:xfrm flipH="1">
-                <a:off x="4648206" y="5853124"/>
-                <a:ext cx="566736" cy="566736"/>
-              </a:xfrm>
-              <a:prstGeom prst="rect">
-                <a:avLst/>
-              </a:prstGeom>
+              <a:miter lim="800000"/>
+              <a:headEnd/>
+              <a:tailEnd/>
+            </a:ln>
+            <a:effectLst/>
+          </p:spPr>
+        </p:pic>
+        <p:cxnSp>
+          <p:nvCxnSpPr>
+            <p:cNvPr id="98" name="直接连接符 97"/>
+            <p:cNvCxnSpPr/>
+            <p:nvPr/>
+          </p:nvCxnSpPr>
+          <p:spPr>
+            <a:xfrm rot="1800000" flipH="1">
+              <a:off x="4660826" y="4145525"/>
+              <a:ext cx="1714512" cy="1588"/>
+            </a:xfrm>
+            <a:prstGeom prst="line">
+              <a:avLst/>
+            </a:prstGeom>
+            <a:ln w="38100"/>
+          </p:spPr>
+          <p:style>
+            <a:lnRef idx="1">
+              <a:schemeClr val="accent1"/>
+            </a:lnRef>
+            <a:fillRef idx="0">
+              <a:schemeClr val="accent1"/>
+            </a:fillRef>
+            <a:effectRef idx="0">
+              <a:schemeClr val="accent1"/>
+            </a:effectRef>
+            <a:fontRef idx="minor">
+              <a:schemeClr val="tx1"/>
+            </a:fontRef>
+          </p:style>
+        </p:cxnSp>
+        <p:pic>
+          <p:nvPicPr>
+            <p:cNvPr id="99" name="Picture 13"/>
+            <p:cNvPicPr>
+              <a:picLocks noChangeAspect="1" noChangeArrowheads="1"/>
+            </p:cNvPicPr>
+            <p:nvPr/>
+          </p:nvPicPr>
+          <p:blipFill>
+            <a:blip r:embed="rId3"/>
+            <a:srcRect/>
+            <a:stretch>
+              <a:fillRect/>
+            </a:stretch>
+          </p:blipFill>
+          <p:spPr bwMode="auto">
+            <a:xfrm rot="1800000" flipH="1">
+              <a:off x="5483272" y="4580213"/>
+              <a:ext cx="566736" cy="566736"/>
+            </a:xfrm>
+            <a:prstGeom prst="rect">
+              <a:avLst/>
+            </a:prstGeom>
+            <a:noFill/>
+            <a:ln w="9525">
               <a:noFill/>
-              <a:ln w="9525">
-                <a:noFill/>
-                <a:miter lim="800000"/>
-                <a:headEnd/>
-                <a:tailEnd/>
-              </a:ln>
-              <a:effectLst/>
-            </p:spPr>
-          </p:pic>
-          <p:pic>
-            <p:nvPicPr>
-              <p:cNvPr id="100" name="Picture 13"/>
-              <p:cNvPicPr>
-                <a:picLocks noChangeAspect="1" noChangeArrowheads="1"/>
-              </p:cNvPicPr>
-              <p:nvPr/>
-            </p:nvPicPr>
-            <p:blipFill>
-              <a:blip r:embed="rId3"/>
-              <a:srcRect/>
-              <a:stretch>
-                <a:fillRect/>
-              </a:stretch>
-            </p:blipFill>
-            <p:spPr bwMode="auto">
-              <a:xfrm flipH="1">
-                <a:off x="3786182" y="5853124"/>
-                <a:ext cx="566736" cy="566736"/>
-              </a:xfrm>
-              <a:prstGeom prst="rect">
-                <a:avLst/>
-              </a:prstGeom>
+              <a:miter lim="800000"/>
+              <a:headEnd/>
+              <a:tailEnd/>
+            </a:ln>
+            <a:effectLst/>
+          </p:spPr>
+        </p:pic>
+        <p:pic>
+          <p:nvPicPr>
+            <p:cNvPr id="100" name="Picture 13"/>
+            <p:cNvPicPr>
+              <a:picLocks noChangeAspect="1" noChangeArrowheads="1"/>
+            </p:cNvPicPr>
+            <p:nvPr/>
+          </p:nvPicPr>
+          <p:blipFill>
+            <a:blip r:embed="rId3"/>
+            <a:srcRect/>
+            <a:stretch>
+              <a:fillRect/>
+            </a:stretch>
+          </p:blipFill>
+          <p:spPr bwMode="auto">
+            <a:xfrm rot="1800000" flipH="1">
+              <a:off x="4736737" y="4149201"/>
+              <a:ext cx="566736" cy="566736"/>
+            </a:xfrm>
+            <a:prstGeom prst="rect">
+              <a:avLst/>
+            </a:prstGeom>
+            <a:noFill/>
+            <a:ln w="9525">
               <a:noFill/>
-              <a:ln w="9525">
-                <a:noFill/>
-                <a:miter lim="800000"/>
-                <a:headEnd/>
-                <a:tailEnd/>
-              </a:ln>
-              <a:effectLst/>
-            </p:spPr>
-          </p:pic>
-          <p:cxnSp>
-            <p:nvCxnSpPr>
-              <p:cNvPr id="101" name="直接连接符 100"/>
-              <p:cNvCxnSpPr>
-                <a:stCxn id="97" idx="2"/>
-              </p:cNvCxnSpPr>
-              <p:nvPr/>
-            </p:nvCxnSpPr>
-            <p:spPr>
-              <a:xfrm rot="5400000">
-                <a:off x="4389829" y="5530461"/>
-                <a:ext cx="214314" cy="2384"/>
-              </a:xfrm>
-              <a:prstGeom prst="line">
-                <a:avLst/>
-              </a:prstGeom>
-            </p:spPr>
-            <p:style>
-              <a:lnRef idx="1">
-                <a:schemeClr val="accent1"/>
-              </a:lnRef>
-              <a:fillRef idx="0">
-                <a:schemeClr val="accent1"/>
-              </a:fillRef>
-              <a:effectRef idx="0">
-                <a:schemeClr val="accent1"/>
-              </a:effectRef>
-              <a:fontRef idx="minor">
-                <a:schemeClr val="tx1"/>
-              </a:fontRef>
-            </p:style>
-          </p:cxnSp>
-          <p:cxnSp>
-            <p:nvCxnSpPr>
-              <p:cNvPr id="102" name="直接连接符 101"/>
-              <p:cNvCxnSpPr>
-                <a:stCxn id="100" idx="0"/>
-              </p:cNvCxnSpPr>
-              <p:nvPr/>
-            </p:nvCxnSpPr>
-            <p:spPr>
-              <a:xfrm rot="16200000" flipV="1">
-                <a:off x="3961201" y="5744775"/>
-                <a:ext cx="214314" cy="2384"/>
-              </a:xfrm>
-              <a:prstGeom prst="line">
-                <a:avLst/>
-              </a:prstGeom>
-            </p:spPr>
-            <p:style>
-              <a:lnRef idx="1">
-                <a:schemeClr val="accent1"/>
-              </a:lnRef>
-              <a:fillRef idx="0">
-                <a:schemeClr val="accent1"/>
-              </a:fillRef>
-              <a:effectRef idx="0">
-                <a:schemeClr val="accent1"/>
-              </a:effectRef>
-              <a:fontRef idx="minor">
-                <a:schemeClr val="tx1"/>
-              </a:fontRef>
-            </p:style>
-          </p:cxnSp>
-          <p:cxnSp>
-            <p:nvCxnSpPr>
-              <p:cNvPr id="103" name="直接连接符 102"/>
-              <p:cNvCxnSpPr/>
-              <p:nvPr/>
-            </p:nvCxnSpPr>
-            <p:spPr>
-              <a:xfrm rot="5400000">
-                <a:off x="4818457" y="5747159"/>
-                <a:ext cx="219082" cy="2384"/>
-              </a:xfrm>
-              <a:prstGeom prst="line">
-                <a:avLst/>
-              </a:prstGeom>
-            </p:spPr>
-            <p:style>
-              <a:lnRef idx="1">
-                <a:schemeClr val="accent1"/>
-              </a:lnRef>
-              <a:fillRef idx="0">
-                <a:schemeClr val="accent1"/>
-              </a:fillRef>
-              <a:effectRef idx="0">
-                <a:schemeClr val="accent1"/>
-              </a:effectRef>
-              <a:fontRef idx="minor">
-                <a:schemeClr val="tx1"/>
-              </a:fontRef>
-            </p:style>
-          </p:cxnSp>
-          <p:sp>
-            <p:nvSpPr>
-              <p:cNvPr id="104" name="TextBox 103"/>
-              <p:cNvSpPr txBox="1"/>
-              <p:nvPr/>
-            </p:nvSpPr>
-            <p:spPr>
-              <a:xfrm flipH="1">
-                <a:off x="5214942" y="5206793"/>
-                <a:ext cx="642942" cy="646331"/>
-              </a:xfrm>
-              <a:prstGeom prst="rect">
-                <a:avLst/>
-              </a:prstGeom>
-              <a:noFill/>
-            </p:spPr>
-            <p:txBody>
-              <a:bodyPr wrap="square" rtlCol="0">
-                <a:spAutoFit/>
-              </a:bodyPr>
-              <a:lstStyle/>
-              <a:p>
-                <a:r>
-                  <a:rPr lang="en-US" altLang="zh-CN" sz="3600" dirty="0" smtClean="0">
-                    <a:solidFill>
-                      <a:srgbClr val="0070C0"/>
-                    </a:solidFill>
-                  </a:rPr>
-                  <a:t>…</a:t>
-                </a:r>
-                <a:endParaRPr lang="zh-CN" altLang="en-US" sz="3600" dirty="0">
+              <a:miter lim="800000"/>
+              <a:headEnd/>
+              <a:tailEnd/>
+            </a:ln>
+            <a:effectLst/>
+          </p:spPr>
+        </p:pic>
+        <p:cxnSp>
+          <p:nvCxnSpPr>
+            <p:cNvPr id="101" name="直接连接符 100"/>
+            <p:cNvCxnSpPr>
+              <a:stCxn id="97" idx="2"/>
+            </p:cNvCxnSpPr>
+            <p:nvPr/>
+          </p:nvCxnSpPr>
+          <p:spPr>
+            <a:xfrm rot="7200000">
+              <a:off x="5585538" y="4121289"/>
+              <a:ext cx="214314" cy="2384"/>
+            </a:xfrm>
+            <a:prstGeom prst="line">
+              <a:avLst/>
+            </a:prstGeom>
+          </p:spPr>
+          <p:style>
+            <a:lnRef idx="1">
+              <a:schemeClr val="accent1"/>
+            </a:lnRef>
+            <a:fillRef idx="0">
+              <a:schemeClr val="accent1"/>
+            </a:fillRef>
+            <a:effectRef idx="0">
+              <a:schemeClr val="accent1"/>
+            </a:effectRef>
+            <a:fontRef idx="minor">
+              <a:schemeClr val="tx1"/>
+            </a:fontRef>
+          </p:style>
+        </p:cxnSp>
+        <p:cxnSp>
+          <p:nvCxnSpPr>
+            <p:cNvPr id="102" name="直接连接符 101"/>
+            <p:cNvCxnSpPr>
+              <a:stCxn id="100" idx="0"/>
+            </p:cNvCxnSpPr>
+            <p:nvPr/>
+          </p:nvCxnSpPr>
+          <p:spPr>
+            <a:xfrm rot="18000000" flipV="1">
+              <a:off x="5107178" y="4092576"/>
+              <a:ext cx="214314" cy="2384"/>
+            </a:xfrm>
+            <a:prstGeom prst="line">
+              <a:avLst/>
+            </a:prstGeom>
+          </p:spPr>
+          <p:style>
+            <a:lnRef idx="1">
+              <a:schemeClr val="accent1"/>
+            </a:lnRef>
+            <a:fillRef idx="0">
+              <a:schemeClr val="accent1"/>
+            </a:fillRef>
+            <a:effectRef idx="0">
+              <a:schemeClr val="accent1"/>
+            </a:effectRef>
+            <a:fontRef idx="minor">
+              <a:schemeClr val="tx1"/>
+            </a:fontRef>
+          </p:style>
+        </p:cxnSp>
+        <p:cxnSp>
+          <p:nvCxnSpPr>
+            <p:cNvPr id="103" name="直接连接符 102"/>
+            <p:cNvCxnSpPr/>
+            <p:nvPr/>
+          </p:nvCxnSpPr>
+          <p:spPr>
+            <a:xfrm rot="7200000">
+              <a:off x="5848072" y="4524461"/>
+              <a:ext cx="219082" cy="2384"/>
+            </a:xfrm>
+            <a:prstGeom prst="line">
+              <a:avLst/>
+            </a:prstGeom>
+          </p:spPr>
+          <p:style>
+            <a:lnRef idx="1">
+              <a:schemeClr val="accent1"/>
+            </a:lnRef>
+            <a:fillRef idx="0">
+              <a:schemeClr val="accent1"/>
+            </a:fillRef>
+            <a:effectRef idx="0">
+              <a:schemeClr val="accent1"/>
+            </a:effectRef>
+            <a:fontRef idx="minor">
+              <a:schemeClr val="tx1"/>
+            </a:fontRef>
+          </p:style>
+        </p:cxnSp>
+        <p:sp>
+          <p:nvSpPr>
+            <p:cNvPr id="104" name="TextBox 103"/>
+            <p:cNvSpPr txBox="1"/>
+            <p:nvPr/>
+          </p:nvSpPr>
+          <p:spPr>
+            <a:xfrm rot="1800000" flipH="1">
+              <a:off x="6272241" y="4317561"/>
+              <a:ext cx="642942" cy="646331"/>
+            </a:xfrm>
+            <a:prstGeom prst="rect">
+              <a:avLst/>
+            </a:prstGeom>
+            <a:noFill/>
+          </p:spPr>
+          <p:txBody>
+            <a:bodyPr wrap="square" rtlCol="0">
+              <a:spAutoFit/>
+            </a:bodyPr>
+            <a:lstStyle/>
+            <a:p>
+              <a:r>
+                <a:rPr lang="en-US" altLang="zh-CN" sz="3600" dirty="0" smtClean="0">
                   <a:solidFill>
                     <a:srgbClr val="0070C0"/>
                   </a:solidFill>
-                </a:endParaRPr>
-              </a:p>
-            </p:txBody>
-          </p:sp>
-        </p:grpSp>
+                </a:rPr>
+                <a:t>…</a:t>
+              </a:r>
+              <a:endParaRPr lang="zh-CN" altLang="en-US" sz="3600" dirty="0">
+                <a:solidFill>
+                  <a:srgbClr val="0070C0"/>
+                </a:solidFill>
+              </a:endParaRPr>
+            </a:p>
+          </p:txBody>
+        </p:sp>
         <p:sp>
           <p:nvSpPr>
             <p:cNvPr id="107" name="TextBox 106"/>
@@ -4348,7 +4342,7 @@
           <p:spPr>
             <a:xfrm>
               <a:off x="4214810" y="1428736"/>
-              <a:ext cx="857256" cy="369332"/>
+              <a:ext cx="857256" cy="338554"/>
             </a:xfrm>
             <a:prstGeom prst="rect">
               <a:avLst/>
@@ -4362,14 +4356,14 @@
             <a:lstStyle/>
             <a:p>
               <a:r>
-                <a:rPr lang="en-US" altLang="zh-CN" dirty="0" smtClean="0">
+                <a:rPr lang="en-US" altLang="zh-CN" sz="1600" dirty="0" smtClean="0">
                   <a:solidFill>
                     <a:srgbClr val="0070C0"/>
                   </a:solidFill>
                 </a:rPr>
                 <a:t>TCP/IP</a:t>
               </a:r>
-              <a:endParaRPr lang="zh-CN" altLang="en-US" dirty="0">
+              <a:endParaRPr lang="zh-CN" altLang="en-US" sz="1600" dirty="0">
                 <a:solidFill>
                   <a:srgbClr val="0070C0"/>
                 </a:solidFill>
@@ -4409,7 +4403,7 @@
         </p:sp>
         <p:pic>
           <p:nvPicPr>
-            <p:cNvPr id="1046" name="Picture 22" descr="http://f.hiphotos.baidu.com/baike/pic/item/d439b6003af33a87a4043fc6c05c10385243b584.jpg"/>
+            <p:cNvPr id="1048" name="Picture 24" descr="https://ss1.baidu.com/70cFfyinKgQFm2e88IuM_a/forum/pic/item/adaf2edda3cc7cd9684f8ce83e01213fb80e91a5.jpg"/>
             <p:cNvPicPr>
               <a:picLocks noChangeAspect="1" noChangeArrowheads="1"/>
             </p:cNvPicPr>
@@ -4417,32 +4411,6 @@
           </p:nvPicPr>
           <p:blipFill>
             <a:blip r:embed="rId7" cstate="print"/>
-            <a:srcRect/>
-            <a:stretch>
-              <a:fillRect/>
-            </a:stretch>
-          </p:blipFill>
-          <p:spPr bwMode="auto">
-            <a:xfrm>
-              <a:off x="3143240" y="2470312"/>
-              <a:ext cx="571504" cy="672936"/>
-            </a:xfrm>
-            <a:prstGeom prst="rect">
-              <a:avLst/>
-            </a:prstGeom>
-            <a:noFill/>
-          </p:spPr>
-        </p:pic>
-        <p:pic>
-          <p:nvPicPr>
-            <p:cNvPr id="1048" name="Picture 24" descr="https://ss1.baidu.com/70cFfyinKgQFm2e88IuM_a/forum/pic/item/adaf2edda3cc7cd9684f8ce83e01213fb80e91a5.jpg"/>
-            <p:cNvPicPr>
-              <a:picLocks noChangeAspect="1" noChangeArrowheads="1"/>
-            </p:cNvPicPr>
-            <p:nvPr/>
-          </p:nvPicPr>
-          <p:blipFill>
-            <a:blip r:embed="rId8" cstate="print"/>
             <a:srcRect/>
             <a:stretch>
               <a:fillRect/>
@@ -4459,331 +4427,444 @@
             <a:noFill/>
           </p:spPr>
         </p:pic>
-        <p:grpSp>
-          <p:nvGrpSpPr>
-            <p:cNvPr id="171" name="组合 170"/>
-            <p:cNvGrpSpPr/>
+        <p:sp>
+          <p:nvSpPr>
+            <p:cNvPr id="154" name="矩形 153"/>
+            <p:cNvSpPr/>
             <p:nvPr/>
-          </p:nvGrpSpPr>
-          <p:grpSpPr>
+          </p:nvSpPr>
+          <p:spPr>
             <a:xfrm>
               <a:off x="5500694" y="285728"/>
-              <a:ext cx="1714512" cy="1911515"/>
-              <a:chOff x="5429256" y="285728"/>
-              <a:chExt cx="1714512" cy="2132074"/>
+              <a:ext cx="1643074" cy="1857388"/>
             </a:xfrm>
-          </p:grpSpPr>
-          <p:sp>
-            <p:nvSpPr>
-              <p:cNvPr id="154" name="矩形 153"/>
-              <p:cNvSpPr/>
-              <p:nvPr/>
-            </p:nvSpPr>
-            <p:spPr>
-              <a:xfrm>
-                <a:off x="5429256" y="285728"/>
-                <a:ext cx="1643074" cy="2071702"/>
-              </a:xfrm>
-              <a:prstGeom prst="rect">
-                <a:avLst/>
-              </a:prstGeom>
+            <a:prstGeom prst="rect">
+              <a:avLst/>
+            </a:prstGeom>
+            <a:noFill/>
+            <a:ln w="12700">
+              <a:solidFill>
+                <a:srgbClr val="0070C0"/>
+              </a:solidFill>
+              <a:prstDash val="dash"/>
+            </a:ln>
+          </p:spPr>
+          <p:style>
+            <a:lnRef idx="2">
+              <a:schemeClr val="accent1">
+                <a:shade val="50000"/>
+              </a:schemeClr>
+            </a:lnRef>
+            <a:fillRef idx="1">
+              <a:schemeClr val="accent1"/>
+            </a:fillRef>
+            <a:effectRef idx="0">
+              <a:schemeClr val="accent1"/>
+            </a:effectRef>
+            <a:fontRef idx="minor">
+              <a:schemeClr val="lt1"/>
+            </a:fontRef>
+          </p:style>
+          <p:txBody>
+            <a:bodyPr rtlCol="0" anchor="ctr"/>
+            <a:lstStyle/>
+            <a:p>
+              <a:pPr algn="ctr"/>
+              <a:endParaRPr lang="zh-CN" altLang="en-US"/>
+            </a:p>
+          </p:txBody>
+        </p:sp>
+        <p:sp>
+          <p:nvSpPr>
+            <p:cNvPr id="158" name="TextBox 157"/>
+            <p:cNvSpPr txBox="1"/>
+            <p:nvPr/>
+          </p:nvSpPr>
+          <p:spPr>
+            <a:xfrm>
+              <a:off x="5500694" y="349776"/>
+              <a:ext cx="1000132" cy="331125"/>
+            </a:xfrm>
+            <a:prstGeom prst="rect">
+              <a:avLst/>
+            </a:prstGeom>
+            <a:noFill/>
+          </p:spPr>
+          <p:txBody>
+            <a:bodyPr wrap="square" rtlCol="0">
+              <a:spAutoFit/>
+            </a:bodyPr>
+            <a:lstStyle/>
+            <a:p>
+              <a:r>
+                <a:rPr lang="en-US" altLang="zh-CN" dirty="0" smtClean="0"/>
+                <a:t>LEDEND:</a:t>
+              </a:r>
+            </a:p>
+          </p:txBody>
+        </p:sp>
+        <p:sp>
+          <p:nvSpPr>
+            <p:cNvPr id="160" name="TextBox 159"/>
+            <p:cNvSpPr txBox="1"/>
+            <p:nvPr/>
+          </p:nvSpPr>
+          <p:spPr>
+            <a:xfrm>
+              <a:off x="5929322" y="714317"/>
+              <a:ext cx="1285884" cy="275938"/>
+            </a:xfrm>
+            <a:prstGeom prst="rect">
+              <a:avLst/>
+            </a:prstGeom>
+            <a:noFill/>
+          </p:spPr>
+          <p:txBody>
+            <a:bodyPr wrap="square" rtlCol="0">
+              <a:spAutoFit/>
+            </a:bodyPr>
+            <a:lstStyle/>
+            <a:p>
+              <a:r>
+                <a:rPr lang="en-US" altLang="zh-CN" sz="1400" dirty="0" smtClean="0"/>
+                <a:t>Qt Application</a:t>
+              </a:r>
+            </a:p>
+          </p:txBody>
+        </p:sp>
+        <p:pic>
+          <p:nvPicPr>
+            <p:cNvPr id="161" name="Picture 24" descr="https://ss1.baidu.com/70cFfyinKgQFm2e88IuM_a/forum/pic/item/adaf2edda3cc7cd9684f8ce83e01213fb80e91a5.jpg"/>
+            <p:cNvPicPr>
+              <a:picLocks noChangeAspect="1" noChangeArrowheads="1"/>
+            </p:cNvPicPr>
+            <p:nvPr/>
+          </p:nvPicPr>
+          <p:blipFill>
+            <a:blip r:embed="rId8" cstate="print"/>
+            <a:srcRect/>
+            <a:stretch>
+              <a:fillRect/>
+            </a:stretch>
+          </p:blipFill>
+          <p:spPr bwMode="auto">
+            <a:xfrm>
+              <a:off x="5572132" y="1054302"/>
+              <a:ext cx="285742" cy="256183"/>
+            </a:xfrm>
+            <a:prstGeom prst="rect">
+              <a:avLst/>
+            </a:prstGeom>
+            <a:noFill/>
+          </p:spPr>
+        </p:pic>
+        <p:sp>
+          <p:nvSpPr>
+            <p:cNvPr id="162" name="TextBox 161"/>
+            <p:cNvSpPr txBox="1"/>
+            <p:nvPr/>
+          </p:nvSpPr>
+          <p:spPr>
+            <a:xfrm>
+              <a:off x="5929322" y="1054302"/>
+              <a:ext cx="1143008" cy="275938"/>
+            </a:xfrm>
+            <a:prstGeom prst="rect">
+              <a:avLst/>
+            </a:prstGeom>
+            <a:noFill/>
+          </p:spPr>
+          <p:txBody>
+            <a:bodyPr wrap="square" rtlCol="0">
+              <a:spAutoFit/>
+            </a:bodyPr>
+            <a:lstStyle/>
+            <a:p>
+              <a:r>
+                <a:rPr lang="en-US" altLang="zh-CN" sz="1400" dirty="0" smtClean="0"/>
+                <a:t>Linux System </a:t>
+              </a:r>
+            </a:p>
+          </p:txBody>
+        </p:sp>
+        <p:pic>
+          <p:nvPicPr>
+            <p:cNvPr id="164" name="Picture 13"/>
+            <p:cNvPicPr>
+              <a:picLocks noChangeAspect="1" noChangeArrowheads="1"/>
+            </p:cNvPicPr>
+            <p:nvPr/>
+          </p:nvPicPr>
+          <p:blipFill>
+            <a:blip r:embed="rId3"/>
+            <a:srcRect/>
+            <a:stretch>
+              <a:fillRect/>
+            </a:stretch>
+          </p:blipFill>
+          <p:spPr bwMode="auto">
+            <a:xfrm>
+              <a:off x="5572132" y="1374542"/>
+              <a:ext cx="313266" cy="280859"/>
+            </a:xfrm>
+            <a:prstGeom prst="rect">
+              <a:avLst/>
+            </a:prstGeom>
+            <a:noFill/>
+            <a:ln w="9525">
               <a:noFill/>
-              <a:ln w="12700">
+              <a:miter lim="800000"/>
+              <a:headEnd/>
+              <a:tailEnd/>
+            </a:ln>
+            <a:effectLst/>
+          </p:spPr>
+        </p:pic>
+        <p:sp>
+          <p:nvSpPr>
+            <p:cNvPr id="165" name="TextBox 164"/>
+            <p:cNvSpPr txBox="1"/>
+            <p:nvPr/>
+          </p:nvSpPr>
+          <p:spPr>
+            <a:xfrm>
+              <a:off x="5929322" y="1374542"/>
+              <a:ext cx="1000132" cy="307777"/>
+            </a:xfrm>
+            <a:prstGeom prst="rect">
+              <a:avLst/>
+            </a:prstGeom>
+            <a:noFill/>
+          </p:spPr>
+          <p:txBody>
+            <a:bodyPr wrap="square" rtlCol="0">
+              <a:spAutoFit/>
+            </a:bodyPr>
+            <a:lstStyle/>
+            <a:p>
+              <a:r>
+                <a:rPr lang="en-US" altLang="zh-CN" sz="1400" dirty="0" smtClean="0"/>
+                <a:t>Fan Device</a:t>
+              </a:r>
+            </a:p>
+          </p:txBody>
+        </p:sp>
+        <p:sp>
+          <p:nvSpPr>
+            <p:cNvPr id="168" name="TextBox 167"/>
+            <p:cNvSpPr txBox="1"/>
+            <p:nvPr/>
+          </p:nvSpPr>
+          <p:spPr>
+            <a:xfrm>
+              <a:off x="5938846" y="1674022"/>
+              <a:ext cx="1062046" cy="523221"/>
+            </a:xfrm>
+            <a:prstGeom prst="rect">
+              <a:avLst/>
+            </a:prstGeom>
+            <a:noFill/>
+          </p:spPr>
+          <p:txBody>
+            <a:bodyPr wrap="square" rtlCol="0">
+              <a:spAutoFit/>
+            </a:bodyPr>
+            <a:lstStyle/>
+            <a:p>
+              <a:r>
+                <a:rPr lang="en-US" altLang="zh-CN" sz="1400" dirty="0" smtClean="0"/>
+                <a:t>BeagleBone Black</a:t>
+              </a:r>
+            </a:p>
+          </p:txBody>
+        </p:sp>
+        <p:pic>
+          <p:nvPicPr>
+            <p:cNvPr id="1050" name="Picture 26"/>
+            <p:cNvPicPr>
+              <a:picLocks noChangeAspect="1" noChangeArrowheads="1"/>
+            </p:cNvPicPr>
+            <p:nvPr/>
+          </p:nvPicPr>
+          <p:blipFill>
+            <a:blip r:embed="rId9"/>
+            <a:srcRect/>
+            <a:stretch>
+              <a:fillRect/>
+            </a:stretch>
+          </p:blipFill>
+          <p:spPr bwMode="auto">
+            <a:xfrm>
+              <a:off x="5532175" y="1758829"/>
+              <a:ext cx="397147" cy="256191"/>
+            </a:xfrm>
+            <a:prstGeom prst="rect">
+              <a:avLst/>
+            </a:prstGeom>
+            <a:noFill/>
+            <a:ln w="9525">
+              <a:noFill/>
+              <a:miter lim="800000"/>
+              <a:headEnd/>
+              <a:tailEnd/>
+            </a:ln>
+            <a:effectLst/>
+          </p:spPr>
+        </p:pic>
+        <p:pic>
+          <p:nvPicPr>
+            <p:cNvPr id="1030" name="Picture 6" descr="D:\Qt\Qt5.6.0\Docs\Qt-5.6\qtwidgets\images\used-in-examples\widgets\icons\images\qt_extended_48x48.png"/>
+            <p:cNvPicPr>
+              <a:picLocks noChangeAspect="1" noChangeArrowheads="1"/>
+            </p:cNvPicPr>
+            <p:nvPr/>
+          </p:nvPicPr>
+          <p:blipFill>
+            <a:blip r:embed="rId10"/>
+            <a:srcRect/>
+            <a:stretch>
+              <a:fillRect/>
+            </a:stretch>
+          </p:blipFill>
+          <p:spPr bwMode="auto">
+            <a:xfrm>
+              <a:off x="3143240" y="2543172"/>
+              <a:ext cx="528638" cy="528638"/>
+            </a:xfrm>
+            <a:prstGeom prst="rect">
+              <a:avLst/>
+            </a:prstGeom>
+            <a:noFill/>
+          </p:spPr>
+        </p:pic>
+        <p:pic>
+          <p:nvPicPr>
+            <p:cNvPr id="60" name="Picture 6" descr="D:\Qt\Qt5.6.0\Docs\Qt-5.6\qtwidgets\images\used-in-examples\widgets\icons\images\qt_extended_48x48.png"/>
+            <p:cNvPicPr>
+              <a:picLocks noChangeAspect="1" noChangeArrowheads="1"/>
+            </p:cNvPicPr>
+            <p:nvPr/>
+          </p:nvPicPr>
+          <p:blipFill>
+            <a:blip r:embed="rId10"/>
+            <a:srcRect/>
+            <a:stretch>
+              <a:fillRect/>
+            </a:stretch>
+          </p:blipFill>
+          <p:spPr bwMode="auto">
+            <a:xfrm>
+              <a:off x="5572132" y="714356"/>
+              <a:ext cx="285752" cy="285752"/>
+            </a:xfrm>
+            <a:prstGeom prst="rect">
+              <a:avLst/>
+            </a:prstGeom>
+            <a:noFill/>
+          </p:spPr>
+        </p:pic>
+        <p:pic>
+          <p:nvPicPr>
+            <p:cNvPr id="61" name="Picture 6" descr="D:\Qt\Qt5.6.0\Docs\Qt-5.6\qtwidgets\images\used-in-examples\widgets\icons\images\qt_extended_48x48.png"/>
+            <p:cNvPicPr>
+              <a:picLocks noChangeAspect="1" noChangeArrowheads="1"/>
+            </p:cNvPicPr>
+            <p:nvPr/>
+          </p:nvPicPr>
+          <p:blipFill>
+            <a:blip r:embed="rId10"/>
+            <a:srcRect/>
+            <a:stretch>
+              <a:fillRect/>
+            </a:stretch>
+          </p:blipFill>
+          <p:spPr bwMode="auto">
+            <a:xfrm rot="-1800000">
+              <a:off x="3905622" y="680004"/>
+              <a:ext cx="262293" cy="262293"/>
+            </a:xfrm>
+            <a:prstGeom prst="rect">
+              <a:avLst/>
+            </a:prstGeom>
+            <a:noFill/>
+          </p:spPr>
+        </p:pic>
+        <p:sp>
+          <p:nvSpPr>
+            <p:cNvPr id="62" name="TextBox 61"/>
+            <p:cNvSpPr txBox="1"/>
+            <p:nvPr/>
+          </p:nvSpPr>
+          <p:spPr>
+            <a:xfrm rot="-1800000">
+              <a:off x="1627049" y="4220855"/>
+              <a:ext cx="998364" cy="338554"/>
+            </a:xfrm>
+            <a:prstGeom prst="rect">
+              <a:avLst/>
+            </a:prstGeom>
+            <a:noFill/>
+          </p:spPr>
+          <p:txBody>
+            <a:bodyPr wrap="square" rtlCol="0">
+              <a:spAutoFit/>
+            </a:bodyPr>
+            <a:lstStyle/>
+            <a:p>
+              <a:r>
+                <a:rPr lang="en-US" altLang="zh-CN" sz="1600" dirty="0" smtClean="0">
+                  <a:solidFill>
+                    <a:srgbClr val="0070C0"/>
+                  </a:solidFill>
+                </a:rPr>
+                <a:t>CANopen</a:t>
+              </a:r>
+              <a:endParaRPr lang="zh-CN" altLang="en-US" sz="1600" dirty="0">
                 <a:solidFill>
                   <a:srgbClr val="0070C0"/>
                 </a:solidFill>
-                <a:prstDash val="dash"/>
-              </a:ln>
-            </p:spPr>
-            <p:style>
-              <a:lnRef idx="2">
-                <a:schemeClr val="accent1">
-                  <a:shade val="50000"/>
-                </a:schemeClr>
-              </a:lnRef>
-              <a:fillRef idx="1">
-                <a:schemeClr val="accent1"/>
-              </a:fillRef>
-              <a:effectRef idx="0">
-                <a:schemeClr val="accent1"/>
-              </a:effectRef>
-              <a:fontRef idx="minor">
-                <a:schemeClr val="lt1"/>
-              </a:fontRef>
-            </p:style>
-            <p:txBody>
-              <a:bodyPr rtlCol="0" anchor="ctr"/>
-              <a:lstStyle/>
-              <a:p>
-                <a:pPr algn="ctr"/>
-                <a:endParaRPr lang="zh-CN" altLang="en-US"/>
-              </a:p>
-            </p:txBody>
-          </p:sp>
-          <p:sp>
-            <p:nvSpPr>
-              <p:cNvPr id="158" name="TextBox 157"/>
-              <p:cNvSpPr txBox="1"/>
-              <p:nvPr/>
-            </p:nvSpPr>
-            <p:spPr>
-              <a:xfrm>
-                <a:off x="5429256" y="357166"/>
-                <a:ext cx="1000132" cy="369332"/>
-              </a:xfrm>
-              <a:prstGeom prst="rect">
-                <a:avLst/>
-              </a:prstGeom>
-              <a:noFill/>
-            </p:spPr>
-            <p:txBody>
-              <a:bodyPr wrap="square" rtlCol="0">
-                <a:spAutoFit/>
-              </a:bodyPr>
-              <a:lstStyle/>
-              <a:p>
-                <a:r>
-                  <a:rPr lang="en-US" altLang="zh-CN" dirty="0" smtClean="0"/>
-                  <a:t>LEDEND:</a:t>
-                </a:r>
-              </a:p>
-            </p:txBody>
-          </p:sp>
-          <p:pic>
-            <p:nvPicPr>
-              <p:cNvPr id="159" name="Picture 22" descr="http://f.hiphotos.baidu.com/baike/pic/item/d439b6003af33a87a4043fc6c05c10385243b584.jpg"/>
-              <p:cNvPicPr>
-                <a:picLocks noChangeAspect="1" noChangeArrowheads="1"/>
-              </p:cNvPicPr>
-              <p:nvPr/>
-            </p:nvPicPr>
-            <p:blipFill>
-              <a:blip r:embed="rId9" cstate="print"/>
-              <a:srcRect/>
-              <a:stretch>
-                <a:fillRect/>
-              </a:stretch>
-            </p:blipFill>
-            <p:spPr bwMode="auto">
-              <a:xfrm>
-                <a:off x="5500694" y="714356"/>
-                <a:ext cx="357190" cy="420585"/>
-              </a:xfrm>
-              <a:prstGeom prst="rect">
-                <a:avLst/>
-              </a:prstGeom>
-              <a:noFill/>
-            </p:spPr>
-          </p:pic>
-          <p:sp>
-            <p:nvSpPr>
-              <p:cNvPr id="160" name="TextBox 159"/>
-              <p:cNvSpPr txBox="1"/>
-              <p:nvPr/>
-            </p:nvSpPr>
-            <p:spPr>
-              <a:xfrm>
-                <a:off x="5857884" y="763769"/>
-                <a:ext cx="1285884" cy="307777"/>
-              </a:xfrm>
-              <a:prstGeom prst="rect">
-                <a:avLst/>
-              </a:prstGeom>
-              <a:noFill/>
-            </p:spPr>
-            <p:txBody>
-              <a:bodyPr wrap="square" rtlCol="0">
-                <a:spAutoFit/>
-              </a:bodyPr>
-              <a:lstStyle/>
-              <a:p>
-                <a:r>
-                  <a:rPr lang="en-US" altLang="zh-CN" sz="1400" dirty="0" smtClean="0"/>
-                  <a:t>Qt Application</a:t>
-                </a:r>
-              </a:p>
-            </p:txBody>
-          </p:sp>
-          <p:pic>
-            <p:nvPicPr>
-              <p:cNvPr id="161" name="Picture 24" descr="https://ss1.baidu.com/70cFfyinKgQFm2e88IuM_a/forum/pic/item/adaf2edda3cc7cd9684f8ce83e01213fb80e91a5.jpg"/>
-              <p:cNvPicPr>
-                <a:picLocks noChangeAspect="1" noChangeArrowheads="1"/>
-              </p:cNvPicPr>
-              <p:nvPr/>
-            </p:nvPicPr>
-            <p:blipFill>
-              <a:blip r:embed="rId10" cstate="print"/>
-              <a:srcRect/>
-              <a:stretch>
-                <a:fillRect/>
-              </a:stretch>
-            </p:blipFill>
-            <p:spPr bwMode="auto">
-              <a:xfrm>
-                <a:off x="5500694" y="1142984"/>
-                <a:ext cx="285742" cy="285742"/>
-              </a:xfrm>
-              <a:prstGeom prst="rect">
-                <a:avLst/>
-              </a:prstGeom>
-              <a:noFill/>
-            </p:spPr>
-          </p:pic>
-          <p:sp>
-            <p:nvSpPr>
-              <p:cNvPr id="162" name="TextBox 161"/>
-              <p:cNvSpPr txBox="1"/>
-              <p:nvPr/>
-            </p:nvSpPr>
-            <p:spPr>
-              <a:xfrm>
-                <a:off x="5857884" y="1142984"/>
-                <a:ext cx="1143008" cy="307777"/>
-              </a:xfrm>
-              <a:prstGeom prst="rect">
-                <a:avLst/>
-              </a:prstGeom>
-              <a:noFill/>
-            </p:spPr>
-            <p:txBody>
-              <a:bodyPr wrap="square" rtlCol="0">
-                <a:spAutoFit/>
-              </a:bodyPr>
-              <a:lstStyle/>
-              <a:p>
-                <a:r>
-                  <a:rPr lang="en-US" altLang="zh-CN" sz="1400" dirty="0" smtClean="0"/>
-                  <a:t>Linux System </a:t>
-                </a:r>
-              </a:p>
-            </p:txBody>
-          </p:sp>
-          <p:pic>
-            <p:nvPicPr>
-              <p:cNvPr id="164" name="Picture 13"/>
-              <p:cNvPicPr>
-                <a:picLocks noChangeAspect="1" noChangeArrowheads="1"/>
-              </p:cNvPicPr>
-              <p:nvPr/>
-            </p:nvPicPr>
-            <p:blipFill>
-              <a:blip r:embed="rId3"/>
-              <a:srcRect/>
-              <a:stretch>
-                <a:fillRect/>
-              </a:stretch>
-            </p:blipFill>
-            <p:spPr bwMode="auto">
-              <a:xfrm>
-                <a:off x="5500694" y="1500174"/>
-                <a:ext cx="313266" cy="313266"/>
-              </a:xfrm>
-              <a:prstGeom prst="rect">
-                <a:avLst/>
-              </a:prstGeom>
-              <a:noFill/>
-              <a:ln w="9525">
-                <a:noFill/>
-                <a:miter lim="800000"/>
-                <a:headEnd/>
-                <a:tailEnd/>
-              </a:ln>
-              <a:effectLst/>
-            </p:spPr>
-          </p:pic>
-          <p:sp>
-            <p:nvSpPr>
-              <p:cNvPr id="165" name="TextBox 164"/>
-              <p:cNvSpPr txBox="1"/>
-              <p:nvPr/>
-            </p:nvSpPr>
-            <p:spPr>
-              <a:xfrm>
-                <a:off x="5857884" y="1500174"/>
-                <a:ext cx="1000132" cy="343290"/>
-              </a:xfrm>
-              <a:prstGeom prst="rect">
-                <a:avLst/>
-              </a:prstGeom>
-              <a:noFill/>
-            </p:spPr>
-            <p:txBody>
-              <a:bodyPr wrap="square" rtlCol="0">
-                <a:spAutoFit/>
-              </a:bodyPr>
-              <a:lstStyle/>
-              <a:p>
-                <a:r>
-                  <a:rPr lang="en-US" altLang="zh-CN" sz="1400" dirty="0" smtClean="0"/>
-                  <a:t>Fan Device</a:t>
-                </a:r>
-              </a:p>
-            </p:txBody>
-          </p:sp>
-          <p:sp>
-            <p:nvSpPr>
-              <p:cNvPr id="168" name="TextBox 167"/>
-              <p:cNvSpPr txBox="1"/>
-              <p:nvPr/>
-            </p:nvSpPr>
-            <p:spPr>
-              <a:xfrm>
-                <a:off x="5867408" y="1834210"/>
-                <a:ext cx="1062046" cy="583592"/>
-              </a:xfrm>
-              <a:prstGeom prst="rect">
-                <a:avLst/>
-              </a:prstGeom>
-              <a:noFill/>
-            </p:spPr>
-            <p:txBody>
-              <a:bodyPr wrap="square" rtlCol="0">
-                <a:spAutoFit/>
-              </a:bodyPr>
-              <a:lstStyle/>
-              <a:p>
-                <a:r>
-                  <a:rPr lang="en-US" altLang="zh-CN" sz="1400" dirty="0" smtClean="0"/>
-                  <a:t>BeagleBone Black</a:t>
-                </a:r>
-              </a:p>
-            </p:txBody>
-          </p:sp>
-          <p:pic>
-            <p:nvPicPr>
-              <p:cNvPr id="1050" name="Picture 26"/>
-              <p:cNvPicPr>
-                <a:picLocks noChangeAspect="1" noChangeArrowheads="1"/>
-              </p:cNvPicPr>
-              <p:nvPr/>
-            </p:nvPicPr>
-            <p:blipFill>
-              <a:blip r:embed="rId11"/>
-              <a:srcRect/>
-              <a:stretch>
-                <a:fillRect/>
-              </a:stretch>
-            </p:blipFill>
-            <p:spPr bwMode="auto">
-              <a:xfrm>
-                <a:off x="5460737" y="1928802"/>
-                <a:ext cx="397147" cy="285752"/>
-              </a:xfrm>
-              <a:prstGeom prst="rect">
-                <a:avLst/>
-              </a:prstGeom>
-              <a:noFill/>
-              <a:ln w="9525">
-                <a:noFill/>
-                <a:miter lim="800000"/>
-                <a:headEnd/>
-                <a:tailEnd/>
-              </a:ln>
-              <a:effectLst/>
-            </p:spPr>
-          </p:pic>
-        </p:grpSp>
+              </a:endParaRPr>
+            </a:p>
+          </p:txBody>
+        </p:sp>
+        <p:sp>
+          <p:nvSpPr>
+            <p:cNvPr id="63" name="TextBox 62"/>
+            <p:cNvSpPr txBox="1"/>
+            <p:nvPr/>
+          </p:nvSpPr>
+          <p:spPr>
+            <a:xfrm rot="1800000">
+              <a:off x="5808481" y="4211464"/>
+              <a:ext cx="934556" cy="338554"/>
+            </a:xfrm>
+            <a:prstGeom prst="rect">
+              <a:avLst/>
+            </a:prstGeom>
+            <a:noFill/>
+          </p:spPr>
+          <p:txBody>
+            <a:bodyPr wrap="square" rtlCol="0">
+              <a:spAutoFit/>
+            </a:bodyPr>
+            <a:lstStyle/>
+            <a:p>
+              <a:r>
+                <a:rPr lang="en-US" altLang="zh-CN" sz="1600" dirty="0" smtClean="0">
+                  <a:solidFill>
+                    <a:srgbClr val="0070C0"/>
+                  </a:solidFill>
+                </a:rPr>
+                <a:t> Modbus</a:t>
+              </a:r>
+              <a:endParaRPr lang="zh-CN" altLang="en-US" sz="1600" dirty="0">
+                <a:solidFill>
+                  <a:srgbClr val="0070C0"/>
+                </a:solidFill>
+              </a:endParaRPr>
+            </a:p>
+          </p:txBody>
+        </p:sp>
       </p:grpSp>
     </p:spTree>
   </p:cSld>
